--- a/NAKER/Presentation1.pptx
+++ b/NAKER/Presentation1.pptx
@@ -5,13 +5,14 @@
     <p:sldMasterId id="2147483648" r:id="rId1"/>
   </p:sldMasterIdLst>
   <p:notesMasterIdLst>
-    <p:notesMasterId r:id="rId6"/>
+    <p:notesMasterId r:id="rId7"/>
   </p:notesMasterIdLst>
   <p:sldIdLst>
     <p:sldId id="256" r:id="rId2"/>
     <p:sldId id="257" r:id="rId3"/>
     <p:sldId id="258" r:id="rId4"/>
     <p:sldId id="259" r:id="rId5"/>
+    <p:sldId id="260" r:id="rId6"/>
   </p:sldIdLst>
   <p:sldSz cx="12192000" cy="6858000"/>
   <p:notesSz cx="6858000" cy="9144000"/>
@@ -110,6 +111,11 @@
       </a:defRPr>
     </a:lvl9pPr>
   </p:defaultTextStyle>
+  <p:extLst>
+    <p:ext uri="{EFAFB233-063F-42B5-8137-9DF3F51BA10A}">
+      <p15:sldGuideLst xmlns:p15="http://schemas.microsoft.com/office/powerpoint/2012/main"/>
+    </p:ext>
+  </p:extLst>
 </p:presentation>
 </file>
 
@@ -195,7 +201,7 @@
           <a:p>
             <a:fld id="{2CBB2910-814F-CC4B-88BE-F65E86F68793}" type="datetimeFigureOut">
               <a:rPr lang="sl-SI" smtClean="0"/>
-              <a:t>27. 5. 25</a:t>
+              <a:t>28. 5. 25</a:t>
             </a:fld>
             <a:endParaRPr lang="sl-SI"/>
           </a:p>
@@ -696,7 +702,7 @@
           <a:p>
             <a:fld id="{E4CD9D31-0055-7D46-9D98-438306D5DE93}" type="datetimeFigureOut">
               <a:rPr lang="sl-SI" smtClean="0"/>
-              <a:t>27. 5. 25</a:t>
+              <a:t>28. 5. 25</a:t>
             </a:fld>
             <a:endParaRPr lang="sl-SI"/>
           </a:p>
@@ -896,7 +902,7 @@
           <a:p>
             <a:fld id="{E4CD9D31-0055-7D46-9D98-438306D5DE93}" type="datetimeFigureOut">
               <a:rPr lang="sl-SI" smtClean="0"/>
-              <a:t>27. 5. 25</a:t>
+              <a:t>28. 5. 25</a:t>
             </a:fld>
             <a:endParaRPr lang="sl-SI"/>
           </a:p>
@@ -1106,7 +1112,7 @@
           <a:p>
             <a:fld id="{E4CD9D31-0055-7D46-9D98-438306D5DE93}" type="datetimeFigureOut">
               <a:rPr lang="sl-SI" smtClean="0"/>
-              <a:t>27. 5. 25</a:t>
+              <a:t>28. 5. 25</a:t>
             </a:fld>
             <a:endParaRPr lang="sl-SI"/>
           </a:p>
@@ -1306,7 +1312,7 @@
           <a:p>
             <a:fld id="{E4CD9D31-0055-7D46-9D98-438306D5DE93}" type="datetimeFigureOut">
               <a:rPr lang="sl-SI" smtClean="0"/>
-              <a:t>27. 5. 25</a:t>
+              <a:t>28. 5. 25</a:t>
             </a:fld>
             <a:endParaRPr lang="sl-SI"/>
           </a:p>
@@ -1582,7 +1588,7 @@
           <a:p>
             <a:fld id="{E4CD9D31-0055-7D46-9D98-438306D5DE93}" type="datetimeFigureOut">
               <a:rPr lang="sl-SI" smtClean="0"/>
-              <a:t>27. 5. 25</a:t>
+              <a:t>28. 5. 25</a:t>
             </a:fld>
             <a:endParaRPr lang="sl-SI"/>
           </a:p>
@@ -1850,7 +1856,7 @@
           <a:p>
             <a:fld id="{E4CD9D31-0055-7D46-9D98-438306D5DE93}" type="datetimeFigureOut">
               <a:rPr lang="sl-SI" smtClean="0"/>
-              <a:t>27. 5. 25</a:t>
+              <a:t>28. 5. 25</a:t>
             </a:fld>
             <a:endParaRPr lang="sl-SI"/>
           </a:p>
@@ -2265,7 +2271,7 @@
           <a:p>
             <a:fld id="{E4CD9D31-0055-7D46-9D98-438306D5DE93}" type="datetimeFigureOut">
               <a:rPr lang="sl-SI" smtClean="0"/>
-              <a:t>27. 5. 25</a:t>
+              <a:t>28. 5. 25</a:t>
             </a:fld>
             <a:endParaRPr lang="sl-SI"/>
           </a:p>
@@ -2407,7 +2413,7 @@
           <a:p>
             <a:fld id="{E4CD9D31-0055-7D46-9D98-438306D5DE93}" type="datetimeFigureOut">
               <a:rPr lang="sl-SI" smtClean="0"/>
-              <a:t>27. 5. 25</a:t>
+              <a:t>28. 5. 25</a:t>
             </a:fld>
             <a:endParaRPr lang="sl-SI"/>
           </a:p>
@@ -2520,7 +2526,7 @@
           <a:p>
             <a:fld id="{E4CD9D31-0055-7D46-9D98-438306D5DE93}" type="datetimeFigureOut">
               <a:rPr lang="sl-SI" smtClean="0"/>
-              <a:t>27. 5. 25</a:t>
+              <a:t>28. 5. 25</a:t>
             </a:fld>
             <a:endParaRPr lang="sl-SI"/>
           </a:p>
@@ -2833,7 +2839,7 @@
           <a:p>
             <a:fld id="{E4CD9D31-0055-7D46-9D98-438306D5DE93}" type="datetimeFigureOut">
               <a:rPr lang="sl-SI" smtClean="0"/>
-              <a:t>27. 5. 25</a:t>
+              <a:t>28. 5. 25</a:t>
             </a:fld>
             <a:endParaRPr lang="sl-SI"/>
           </a:p>
@@ -3122,7 +3128,7 @@
           <a:p>
             <a:fld id="{E4CD9D31-0055-7D46-9D98-438306D5DE93}" type="datetimeFigureOut">
               <a:rPr lang="sl-SI" smtClean="0"/>
-              <a:t>27. 5. 25</a:t>
+              <a:t>28. 5. 25</a:t>
             </a:fld>
             <a:endParaRPr lang="sl-SI"/>
           </a:p>
@@ -3365,7 +3371,7 @@
           <a:p>
             <a:fld id="{E4CD9D31-0055-7D46-9D98-438306D5DE93}" type="datetimeFigureOut">
               <a:rPr lang="sl-SI" smtClean="0"/>
-              <a:t>27. 5. 25</a:t>
+              <a:t>28. 5. 25</a:t>
             </a:fld>
             <a:endParaRPr lang="sl-SI"/>
           </a:p>
@@ -6159,8 +6165,8 @@
         </p:blipFill>
         <p:spPr bwMode="auto">
           <a:xfrm>
-            <a:off x="0" y="0"/>
-            <a:ext cx="3039762" cy="3355626"/>
+            <a:off x="106165" y="223244"/>
+            <a:ext cx="2933596" cy="3238428"/>
           </a:xfrm>
           <a:prstGeom prst="rect">
             <a:avLst/>
@@ -7176,6 +7182,957 @@
     <p:extLst>
       <p:ext uri="{BB962C8B-B14F-4D97-AF65-F5344CB8AC3E}">
         <p14:creationId xmlns:p14="http://schemas.microsoft.com/office/powerpoint/2010/main" val="1228310612"/>
+      </p:ext>
+    </p:extLst>
+  </p:cSld>
+  <p:clrMapOvr>
+    <a:masterClrMapping/>
+  </p:clrMapOvr>
+</p:sld>
+</file>
+
+<file path=ppt/slides/slide5.xml><?xml version="1.0" encoding="utf-8"?>
+<p:sld xmlns:a="http://schemas.openxmlformats.org/drawingml/2006/main" xmlns:r="http://schemas.openxmlformats.org/officeDocument/2006/relationships" xmlns:p="http://schemas.openxmlformats.org/presentationml/2006/main">
+  <p:cSld>
+    <p:spTree>
+      <p:nvGrpSpPr>
+        <p:cNvPr id="1" name=""/>
+        <p:cNvGrpSpPr/>
+        <p:nvPr/>
+      </p:nvGrpSpPr>
+      <p:grpSpPr>
+        <a:xfrm>
+          <a:off x="0" y="0"/>
+          <a:ext cx="0" cy="0"/>
+          <a:chOff x="0" y="0"/>
+          <a:chExt cx="0" cy="0"/>
+        </a:xfrm>
+      </p:grpSpPr>
+      <p:pic>
+        <p:nvPicPr>
+          <p:cNvPr id="1028" name="Picture 4" descr="Check Mark Vector Art, Icons, and Graphics for Free Download">
+            <a:extLst>
+              <a:ext uri="{FF2B5EF4-FFF2-40B4-BE49-F238E27FC236}">
+                <a16:creationId xmlns:a16="http://schemas.microsoft.com/office/drawing/2014/main" id="{80E2C2AD-2999-4BC5-65C5-F7388F847CAB}"/>
+              </a:ext>
+            </a:extLst>
+          </p:cNvPr>
+          <p:cNvPicPr>
+            <a:picLocks noChangeAspect="1" noChangeArrowheads="1"/>
+          </p:cNvPicPr>
+          <p:nvPr/>
+        </p:nvPicPr>
+        <p:blipFill rotWithShape="1">
+          <a:blip r:embed="rId2">
+            <a:extLst>
+              <a:ext uri="{28A0092B-C50C-407E-A947-70E740481C1C}">
+                <a14:useLocalDpi xmlns:a14="http://schemas.microsoft.com/office/drawing/2010/main" val="0"/>
+              </a:ext>
+            </a:extLst>
+          </a:blip>
+          <a:srcRect l="12572" t="19345" r="53261" b="19983"/>
+          <a:stretch/>
+        </p:blipFill>
+        <p:spPr bwMode="auto">
+          <a:xfrm>
+            <a:off x="351052" y="1024181"/>
+            <a:ext cx="1446028" cy="1467294"/>
+          </a:xfrm>
+          <a:prstGeom prst="rect">
+            <a:avLst/>
+          </a:prstGeom>
+          <a:noFill/>
+          <a:extLst>
+            <a:ext uri="{909E8E84-426E-40DD-AFC4-6F175D3DCCD1}">
+              <a14:hiddenFill xmlns:a14="http://schemas.microsoft.com/office/drawing/2010/main">
+                <a:solidFill>
+                  <a:srgbClr val="FFFFFF"/>
+                </a:solidFill>
+              </a14:hiddenFill>
+            </a:ext>
+          </a:extLst>
+        </p:spPr>
+      </p:pic>
+      <p:sp>
+        <p:nvSpPr>
+          <p:cNvPr id="6" name="TextBox 5">
+            <a:extLst>
+              <a:ext uri="{FF2B5EF4-FFF2-40B4-BE49-F238E27FC236}">
+                <a16:creationId xmlns:a16="http://schemas.microsoft.com/office/drawing/2014/main" id="{262015CD-B8FA-2829-4B95-ACEA4E177865}"/>
+              </a:ext>
+            </a:extLst>
+          </p:cNvPr>
+          <p:cNvSpPr txBox="1"/>
+          <p:nvPr/>
+        </p:nvSpPr>
+        <p:spPr>
+          <a:xfrm>
+            <a:off x="1971282" y="1024181"/>
+            <a:ext cx="4659802" cy="2246769"/>
+          </a:xfrm>
+          <a:prstGeom prst="rect">
+            <a:avLst/>
+          </a:prstGeom>
+          <a:noFill/>
+        </p:spPr>
+        <p:txBody>
+          <a:bodyPr wrap="square" rtlCol="0">
+            <a:spAutoFit/>
+          </a:bodyPr>
+          <a:lstStyle>
+            <a:defPPr>
+              <a:defRPr lang="en-SI"/>
+            </a:defPPr>
+            <a:lvl1pPr marL="285750" indent="-285750">
+              <a:buFont typeface="Arial" panose="020B0604020202020204" pitchFamily="34" charset="0"/>
+              <a:buChar char="•"/>
+              <a:defRPr sz="2000">
+                <a:solidFill>
+                  <a:srgbClr val="141413"/>
+                </a:solidFill>
+                <a:latin typeface="STIX Two Text" pitchFamily="2" charset="0"/>
+                <a:ea typeface="+mj-ea"/>
+                <a:cs typeface="+mj-cs"/>
+              </a:defRPr>
+            </a:lvl1pPr>
+          </a:lstStyle>
+          <a:p>
+            <a:r>
+              <a:rPr lang="en-GB" dirty="0" err="1"/>
+              <a:t>Raziskava</a:t>
+            </a:r>
+            <a:r>
+              <a:rPr lang="en-GB" dirty="0"/>
+              <a:t> </a:t>
+            </a:r>
+            <a:r>
+              <a:rPr lang="en-GB" dirty="0" err="1"/>
+              <a:t>sledi</a:t>
+            </a:r>
+            <a:r>
+              <a:rPr lang="en-GB" dirty="0"/>
+              <a:t> </a:t>
+            </a:r>
+            <a:r>
+              <a:rPr lang="en-GB" dirty="0" err="1"/>
+              <a:t>opisanemu</a:t>
+            </a:r>
+            <a:r>
+              <a:rPr lang="en-GB" dirty="0"/>
+              <a:t> </a:t>
+            </a:r>
+            <a:r>
+              <a:rPr lang="en-GB" dirty="0" err="1"/>
+              <a:t>protokolu</a:t>
+            </a:r>
+            <a:r>
+              <a:rPr lang="en-GB" dirty="0"/>
+              <a:t>,</a:t>
+            </a:r>
+          </a:p>
+          <a:p>
+            <a:r>
+              <a:rPr lang="en-GB" dirty="0" err="1"/>
+              <a:t>podroben</a:t>
+            </a:r>
+            <a:r>
+              <a:rPr lang="en-GB" dirty="0"/>
+              <a:t> </a:t>
+            </a:r>
+            <a:r>
+              <a:rPr lang="en-GB" dirty="0" err="1"/>
+              <a:t>opis</a:t>
+            </a:r>
+            <a:r>
+              <a:rPr lang="en-GB" dirty="0"/>
+              <a:t> </a:t>
+            </a:r>
+            <a:r>
+              <a:rPr lang="en-GB" dirty="0" err="1"/>
+              <a:t>vseh</a:t>
+            </a:r>
+            <a:r>
+              <a:rPr lang="en-GB" dirty="0"/>
+              <a:t> </a:t>
+            </a:r>
+            <a:r>
+              <a:rPr lang="en-GB" dirty="0" err="1"/>
+              <a:t>metod</a:t>
+            </a:r>
+            <a:r>
+              <a:rPr lang="en-GB" dirty="0"/>
+              <a:t> dela, </a:t>
+            </a:r>
+            <a:r>
+              <a:rPr lang="en-GB" dirty="0" err="1"/>
+              <a:t>zbiranja</a:t>
+            </a:r>
+            <a:r>
+              <a:rPr lang="en-GB" dirty="0"/>
+              <a:t> </a:t>
+            </a:r>
+            <a:r>
+              <a:rPr lang="en-GB" dirty="0" err="1"/>
+              <a:t>podatkov</a:t>
+            </a:r>
+            <a:r>
+              <a:rPr lang="en-GB" dirty="0"/>
+              <a:t> in </a:t>
+            </a:r>
+            <a:r>
+              <a:rPr lang="en-GB" dirty="0" err="1"/>
+              <a:t>statističnih</a:t>
+            </a:r>
+            <a:r>
+              <a:rPr lang="en-GB" dirty="0"/>
+              <a:t> </a:t>
+            </a:r>
+            <a:r>
+              <a:rPr lang="en-GB" dirty="0" err="1"/>
+              <a:t>metod</a:t>
+            </a:r>
+            <a:r>
+              <a:rPr lang="en-GB" dirty="0"/>
+              <a:t>,</a:t>
+            </a:r>
+          </a:p>
+          <a:p>
+            <a:r>
+              <a:rPr lang="en-GB" dirty="0" err="1"/>
+              <a:t>jasno</a:t>
+            </a:r>
+            <a:r>
+              <a:rPr lang="en-GB" dirty="0"/>
+              <a:t> </a:t>
+            </a:r>
+            <a:r>
+              <a:rPr lang="en-GB" dirty="0" err="1"/>
+              <a:t>poudarjeno</a:t>
+            </a:r>
+            <a:r>
+              <a:rPr lang="en-GB" dirty="0"/>
+              <a:t> </a:t>
+            </a:r>
+            <a:r>
+              <a:rPr lang="en-GB" dirty="0" err="1"/>
+              <a:t>kaj</a:t>
+            </a:r>
+            <a:r>
+              <a:rPr lang="en-GB" dirty="0"/>
+              <a:t> je </a:t>
+            </a:r>
+            <a:r>
+              <a:rPr lang="en-GB" dirty="0" err="1"/>
+              <a:t>opisano</a:t>
+            </a:r>
+            <a:r>
+              <a:rPr lang="en-GB" dirty="0"/>
+              <a:t> v </a:t>
+            </a:r>
+            <a:r>
+              <a:rPr lang="en-GB" dirty="0" err="1"/>
+              <a:t>protokolu</a:t>
+            </a:r>
+            <a:r>
+              <a:rPr lang="en-GB" dirty="0"/>
+              <a:t> </a:t>
+            </a:r>
+            <a:r>
+              <a:rPr lang="en-GB" dirty="0" err="1"/>
+              <a:t>študije</a:t>
+            </a:r>
+            <a:r>
+              <a:rPr lang="en-GB" dirty="0"/>
+              <a:t>.</a:t>
+            </a:r>
+          </a:p>
+          <a:p>
+            <a:endParaRPr lang="en-GB" dirty="0"/>
+          </a:p>
+        </p:txBody>
+      </p:sp>
+      <p:pic>
+        <p:nvPicPr>
+          <p:cNvPr id="8" name="Picture 7">
+            <a:extLst>
+              <a:ext uri="{FF2B5EF4-FFF2-40B4-BE49-F238E27FC236}">
+                <a16:creationId xmlns:a16="http://schemas.microsoft.com/office/drawing/2014/main" id="{ADCE4D13-B3D5-19EE-4A86-CE721741FED4}"/>
+              </a:ext>
+            </a:extLst>
+          </p:cNvPr>
+          <p:cNvPicPr>
+            <a:picLocks noChangeAspect="1"/>
+          </p:cNvPicPr>
+          <p:nvPr/>
+        </p:nvPicPr>
+        <p:blipFill>
+          <a:blip r:embed="rId3"/>
+          <a:stretch>
+            <a:fillRect/>
+          </a:stretch>
+        </p:blipFill>
+        <p:spPr>
+          <a:xfrm>
+            <a:off x="6743306" y="674058"/>
+            <a:ext cx="5310908" cy="4571999"/>
+          </a:xfrm>
+          <a:prstGeom prst="rect">
+            <a:avLst/>
+          </a:prstGeom>
+        </p:spPr>
+      </p:pic>
+      <p:pic>
+        <p:nvPicPr>
+          <p:cNvPr id="10" name="Picture 9" descr="A graph of different colored lines&#10;&#10;AI-generated content may be incorrect.">
+            <a:extLst>
+              <a:ext uri="{FF2B5EF4-FFF2-40B4-BE49-F238E27FC236}">
+                <a16:creationId xmlns:a16="http://schemas.microsoft.com/office/drawing/2014/main" id="{F2AA016B-3948-2DAE-D167-3C68E8DC62CA}"/>
+              </a:ext>
+            </a:extLst>
+          </p:cNvPr>
+          <p:cNvPicPr>
+            <a:picLocks noChangeAspect="1"/>
+          </p:cNvPicPr>
+          <p:nvPr/>
+        </p:nvPicPr>
+        <p:blipFill>
+          <a:blip r:embed="rId4"/>
+          <a:srcRect t="27984" b="26541"/>
+          <a:stretch/>
+        </p:blipFill>
+        <p:spPr>
+          <a:xfrm>
+            <a:off x="6569810" y="3169085"/>
+            <a:ext cx="3434029" cy="1119775"/>
+          </a:xfrm>
+          <a:prstGeom prst="rect">
+            <a:avLst/>
+          </a:prstGeom>
+        </p:spPr>
+      </p:pic>
+      <p:pic>
+        <p:nvPicPr>
+          <p:cNvPr id="12" name="Picture 11">
+            <a:extLst>
+              <a:ext uri="{FF2B5EF4-FFF2-40B4-BE49-F238E27FC236}">
+                <a16:creationId xmlns:a16="http://schemas.microsoft.com/office/drawing/2014/main" id="{F8EC00A5-7F59-E0BF-1673-A2FC04A2E4B2}"/>
+              </a:ext>
+            </a:extLst>
+          </p:cNvPr>
+          <p:cNvPicPr>
+            <a:picLocks noChangeAspect="1"/>
+          </p:cNvPicPr>
+          <p:nvPr/>
+        </p:nvPicPr>
+        <p:blipFill>
+          <a:blip r:embed="rId5"/>
+          <a:stretch>
+            <a:fillRect/>
+          </a:stretch>
+        </p:blipFill>
+        <p:spPr>
+          <a:xfrm>
+            <a:off x="8930014" y="4045907"/>
+            <a:ext cx="3124200" cy="2400300"/>
+          </a:xfrm>
+          <a:prstGeom prst="rect">
+            <a:avLst/>
+          </a:prstGeom>
+        </p:spPr>
+      </p:pic>
+      <p:pic>
+        <p:nvPicPr>
+          <p:cNvPr id="13" name="Picture 12">
+            <a:extLst>
+              <a:ext uri="{FF2B5EF4-FFF2-40B4-BE49-F238E27FC236}">
+                <a16:creationId xmlns:a16="http://schemas.microsoft.com/office/drawing/2014/main" id="{65F8E93A-9296-FE84-258F-F93901204B36}"/>
+              </a:ext>
+            </a:extLst>
+          </p:cNvPr>
+          <p:cNvPicPr>
+            <a:picLocks noChangeAspect="1"/>
+          </p:cNvPicPr>
+          <p:nvPr/>
+        </p:nvPicPr>
+        <p:blipFill>
+          <a:blip r:embed="rId6"/>
+          <a:stretch>
+            <a:fillRect/>
+          </a:stretch>
+        </p:blipFill>
+        <p:spPr>
+          <a:xfrm>
+            <a:off x="6743306" y="4141157"/>
+            <a:ext cx="3434030" cy="2209800"/>
+          </a:xfrm>
+          <a:prstGeom prst="rect">
+            <a:avLst/>
+          </a:prstGeom>
+        </p:spPr>
+      </p:pic>
+      <p:sp>
+        <p:nvSpPr>
+          <p:cNvPr id="15" name="Doughnut 14">
+            <a:extLst>
+              <a:ext uri="{FF2B5EF4-FFF2-40B4-BE49-F238E27FC236}">
+                <a16:creationId xmlns:a16="http://schemas.microsoft.com/office/drawing/2014/main" id="{E18FFA00-395F-6D47-AE3E-271ACDAF9A68}"/>
+              </a:ext>
+            </a:extLst>
+          </p:cNvPr>
+          <p:cNvSpPr/>
+          <p:nvPr/>
+        </p:nvSpPr>
+        <p:spPr>
+          <a:xfrm>
+            <a:off x="7667112" y="2324100"/>
+            <a:ext cx="2216952" cy="2209800"/>
+          </a:xfrm>
+          <a:prstGeom prst="donut">
+            <a:avLst>
+              <a:gd name="adj" fmla="val 10843"/>
+            </a:avLst>
+          </a:prstGeom>
+        </p:spPr>
+        <p:style>
+          <a:lnRef idx="2">
+            <a:schemeClr val="dk1">
+              <a:shade val="15000"/>
+            </a:schemeClr>
+          </a:lnRef>
+          <a:fillRef idx="1">
+            <a:schemeClr val="dk1"/>
+          </a:fillRef>
+          <a:effectRef idx="0">
+            <a:schemeClr val="dk1"/>
+          </a:effectRef>
+          <a:fontRef idx="minor">
+            <a:schemeClr val="lt1"/>
+          </a:fontRef>
+        </p:style>
+        <p:txBody>
+          <a:bodyPr rtlCol="0" anchor="ctr"/>
+          <a:lstStyle/>
+          <a:p>
+            <a:pPr algn="ctr"/>
+            <a:endParaRPr lang="sl-SI">
+              <a:solidFill>
+                <a:schemeClr val="tx1"/>
+              </a:solidFill>
+            </a:endParaRPr>
+          </a:p>
+        </p:txBody>
+      </p:sp>
+      <p:sp>
+        <p:nvSpPr>
+          <p:cNvPr id="16" name="Rounded Rectangle 15">
+            <a:extLst>
+              <a:ext uri="{FF2B5EF4-FFF2-40B4-BE49-F238E27FC236}">
+                <a16:creationId xmlns:a16="http://schemas.microsoft.com/office/drawing/2014/main" id="{039895B2-359F-9B29-1143-B7D0E3DC0871}"/>
+              </a:ext>
+            </a:extLst>
+          </p:cNvPr>
+          <p:cNvSpPr/>
+          <p:nvPr/>
+        </p:nvSpPr>
+        <p:spPr>
+          <a:xfrm rot="18993118">
+            <a:off x="5539613" y="4868060"/>
+            <a:ext cx="2907427" cy="559888"/>
+          </a:xfrm>
+          <a:prstGeom prst="roundRect">
+            <a:avLst/>
+          </a:prstGeom>
+        </p:spPr>
+        <p:style>
+          <a:lnRef idx="2">
+            <a:schemeClr val="dk1">
+              <a:shade val="15000"/>
+            </a:schemeClr>
+          </a:lnRef>
+          <a:fillRef idx="1">
+            <a:schemeClr val="dk1"/>
+          </a:fillRef>
+          <a:effectRef idx="0">
+            <a:schemeClr val="dk1"/>
+          </a:effectRef>
+          <a:fontRef idx="minor">
+            <a:schemeClr val="lt1"/>
+          </a:fontRef>
+        </p:style>
+        <p:txBody>
+          <a:bodyPr rtlCol="0" anchor="ctr"/>
+          <a:lstStyle/>
+          <a:p>
+            <a:pPr algn="ctr"/>
+            <a:endParaRPr lang="sl-SI"/>
+          </a:p>
+        </p:txBody>
+      </p:sp>
+      <p:cxnSp>
+        <p:nvCxnSpPr>
+          <p:cNvPr id="18" name="Straight Connector 17">
+            <a:extLst>
+              <a:ext uri="{FF2B5EF4-FFF2-40B4-BE49-F238E27FC236}">
+                <a16:creationId xmlns:a16="http://schemas.microsoft.com/office/drawing/2014/main" id="{2F278B0A-AD24-CB34-7D5E-C55DFCEDE828}"/>
+              </a:ext>
+            </a:extLst>
+          </p:cNvPr>
+          <p:cNvCxnSpPr/>
+          <p:nvPr/>
+        </p:nvCxnSpPr>
+        <p:spPr>
+          <a:xfrm>
+            <a:off x="6842717" y="520505"/>
+            <a:ext cx="5211497" cy="0"/>
+          </a:xfrm>
+          <a:prstGeom prst="line">
+            <a:avLst/>
+          </a:prstGeom>
+          <a:ln w="88900"/>
+        </p:spPr>
+        <p:style>
+          <a:lnRef idx="3">
+            <a:schemeClr val="dk1"/>
+          </a:lnRef>
+          <a:fillRef idx="0">
+            <a:schemeClr val="dk1"/>
+          </a:fillRef>
+          <a:effectRef idx="2">
+            <a:schemeClr val="dk1"/>
+          </a:effectRef>
+          <a:fontRef idx="minor">
+            <a:schemeClr val="tx1"/>
+          </a:fontRef>
+        </p:style>
+      </p:cxnSp>
+      <p:cxnSp>
+        <p:nvCxnSpPr>
+          <p:cNvPr id="19" name="Straight Connector 18">
+            <a:extLst>
+              <a:ext uri="{FF2B5EF4-FFF2-40B4-BE49-F238E27FC236}">
+                <a16:creationId xmlns:a16="http://schemas.microsoft.com/office/drawing/2014/main" id="{45E120E9-7136-8C9E-D9E0-F22B2A9A4801}"/>
+              </a:ext>
+            </a:extLst>
+          </p:cNvPr>
+          <p:cNvCxnSpPr/>
+          <p:nvPr/>
+        </p:nvCxnSpPr>
+        <p:spPr>
+          <a:xfrm>
+            <a:off x="6842717" y="6436625"/>
+            <a:ext cx="5211497" cy="0"/>
+          </a:xfrm>
+          <a:prstGeom prst="line">
+            <a:avLst/>
+          </a:prstGeom>
+          <a:ln w="88900"/>
+        </p:spPr>
+        <p:style>
+          <a:lnRef idx="3">
+            <a:schemeClr val="dk1"/>
+          </a:lnRef>
+          <a:fillRef idx="0">
+            <a:schemeClr val="dk1"/>
+          </a:fillRef>
+          <a:effectRef idx="2">
+            <a:schemeClr val="dk1"/>
+          </a:effectRef>
+          <a:fontRef idx="minor">
+            <a:schemeClr val="tx1"/>
+          </a:fontRef>
+        </p:style>
+      </p:cxnSp>
+      <p:cxnSp>
+        <p:nvCxnSpPr>
+          <p:cNvPr id="20" name="Straight Connector 19">
+            <a:extLst>
+              <a:ext uri="{FF2B5EF4-FFF2-40B4-BE49-F238E27FC236}">
+                <a16:creationId xmlns:a16="http://schemas.microsoft.com/office/drawing/2014/main" id="{2FED77E6-CD98-5824-EC5B-050B79395CFB}"/>
+              </a:ext>
+            </a:extLst>
+          </p:cNvPr>
+          <p:cNvCxnSpPr>
+            <a:cxnSpLocks/>
+          </p:cNvCxnSpPr>
+          <p:nvPr/>
+        </p:nvCxnSpPr>
+        <p:spPr>
+          <a:xfrm flipV="1">
+            <a:off x="6842717" y="520505"/>
+            <a:ext cx="0" cy="5925702"/>
+          </a:xfrm>
+          <a:prstGeom prst="line">
+            <a:avLst/>
+          </a:prstGeom>
+          <a:ln w="88900"/>
+        </p:spPr>
+        <p:style>
+          <a:lnRef idx="3">
+            <a:schemeClr val="dk1"/>
+          </a:lnRef>
+          <a:fillRef idx="0">
+            <a:schemeClr val="dk1"/>
+          </a:fillRef>
+          <a:effectRef idx="2">
+            <a:schemeClr val="dk1"/>
+          </a:effectRef>
+          <a:fontRef idx="minor">
+            <a:schemeClr val="tx1"/>
+          </a:fontRef>
+        </p:style>
+      </p:cxnSp>
+      <p:cxnSp>
+        <p:nvCxnSpPr>
+          <p:cNvPr id="25" name="Straight Connector 24">
+            <a:extLst>
+              <a:ext uri="{FF2B5EF4-FFF2-40B4-BE49-F238E27FC236}">
+                <a16:creationId xmlns:a16="http://schemas.microsoft.com/office/drawing/2014/main" id="{ED250259-617B-0FAA-3E37-22DBE82EEE14}"/>
+              </a:ext>
+            </a:extLst>
+          </p:cNvPr>
+          <p:cNvCxnSpPr>
+            <a:cxnSpLocks/>
+          </p:cNvCxnSpPr>
+          <p:nvPr/>
+        </p:nvCxnSpPr>
+        <p:spPr>
+          <a:xfrm flipV="1">
+            <a:off x="12038931" y="510923"/>
+            <a:ext cx="0" cy="5925702"/>
+          </a:xfrm>
+          <a:prstGeom prst="line">
+            <a:avLst/>
+          </a:prstGeom>
+          <a:ln w="88900"/>
+        </p:spPr>
+        <p:style>
+          <a:lnRef idx="3">
+            <a:schemeClr val="dk1"/>
+          </a:lnRef>
+          <a:fillRef idx="0">
+            <a:schemeClr val="dk1"/>
+          </a:fillRef>
+          <a:effectRef idx="2">
+            <a:schemeClr val="dk1"/>
+          </a:effectRef>
+          <a:fontRef idx="minor">
+            <a:schemeClr val="tx1"/>
+          </a:fontRef>
+        </p:style>
+      </p:cxnSp>
+      <p:sp>
+        <p:nvSpPr>
+          <p:cNvPr id="26" name="Frame 25">
+            <a:extLst>
+              <a:ext uri="{FF2B5EF4-FFF2-40B4-BE49-F238E27FC236}">
+                <a16:creationId xmlns:a16="http://schemas.microsoft.com/office/drawing/2014/main" id="{C0C91645-C1E7-166D-2564-9CBB975DD4F2}"/>
+              </a:ext>
+            </a:extLst>
+          </p:cNvPr>
+          <p:cNvSpPr/>
+          <p:nvPr/>
+        </p:nvSpPr>
+        <p:spPr>
+          <a:xfrm>
+            <a:off x="6750859" y="421374"/>
+            <a:ext cx="5303355" cy="6024833"/>
+          </a:xfrm>
+          <a:prstGeom prst="frame">
+            <a:avLst>
+              <a:gd name="adj1" fmla="val 1826"/>
+            </a:avLst>
+          </a:prstGeom>
+          <a:ln w="0"/>
+        </p:spPr>
+        <p:style>
+          <a:lnRef idx="2">
+            <a:schemeClr val="dk1">
+              <a:shade val="15000"/>
+            </a:schemeClr>
+          </a:lnRef>
+          <a:fillRef idx="1">
+            <a:schemeClr val="dk1"/>
+          </a:fillRef>
+          <a:effectRef idx="0">
+            <a:schemeClr val="dk1"/>
+          </a:effectRef>
+          <a:fontRef idx="minor">
+            <a:schemeClr val="lt1"/>
+          </a:fontRef>
+        </p:style>
+        <p:txBody>
+          <a:bodyPr rtlCol="0" anchor="ctr"/>
+          <a:lstStyle/>
+          <a:p>
+            <a:pPr algn="ctr"/>
+            <a:endParaRPr lang="sl-SI">
+              <a:solidFill>
+                <a:schemeClr val="tx1"/>
+              </a:solidFill>
+            </a:endParaRPr>
+          </a:p>
+        </p:txBody>
+      </p:sp>
+      <p:sp>
+        <p:nvSpPr>
+          <p:cNvPr id="28" name="TextBox 27">
+            <a:extLst>
+              <a:ext uri="{FF2B5EF4-FFF2-40B4-BE49-F238E27FC236}">
+                <a16:creationId xmlns:a16="http://schemas.microsoft.com/office/drawing/2014/main" id="{39462511-14A2-7C95-BCD2-4312C088CDF2}"/>
+              </a:ext>
+            </a:extLst>
+          </p:cNvPr>
+          <p:cNvSpPr txBox="1"/>
+          <p:nvPr/>
+        </p:nvSpPr>
+        <p:spPr>
+          <a:xfrm>
+            <a:off x="3048000" y="3247962"/>
+            <a:ext cx="6096000" cy="369332"/>
+          </a:xfrm>
+          <a:prstGeom prst="rect">
+            <a:avLst/>
+          </a:prstGeom>
+          <a:noFill/>
+        </p:spPr>
+        <p:txBody>
+          <a:bodyPr wrap="square">
+            <a:spAutoFit/>
+          </a:bodyPr>
+          <a:lstStyle/>
+          <a:p>
+            <a:endParaRPr lang="sl-SI" dirty="0"/>
+          </a:p>
+        </p:txBody>
+      </p:sp>
+      <p:pic>
+        <p:nvPicPr>
+          <p:cNvPr id="1030" name="Picture 6" descr="Check Mark Vector Art, Icons, and Graphics for Free Download">
+            <a:extLst>
+              <a:ext uri="{FF2B5EF4-FFF2-40B4-BE49-F238E27FC236}">
+                <a16:creationId xmlns:a16="http://schemas.microsoft.com/office/drawing/2014/main" id="{52034DB0-B4B4-74EA-4DD3-B022B9194235}"/>
+              </a:ext>
+            </a:extLst>
+          </p:cNvPr>
+          <p:cNvPicPr>
+            <a:picLocks noChangeAspect="1" noChangeArrowheads="1"/>
+          </p:cNvPicPr>
+          <p:nvPr/>
+        </p:nvPicPr>
+        <p:blipFill rotWithShape="1">
+          <a:blip r:embed="rId2">
+            <a:extLst>
+              <a:ext uri="{28A0092B-C50C-407E-A947-70E740481C1C}">
+                <a14:useLocalDpi xmlns:a14="http://schemas.microsoft.com/office/drawing/2010/main" val="0"/>
+              </a:ext>
+            </a:extLst>
+          </a:blip>
+          <a:srcRect l="55393" t="21376" r="11700" b="21265"/>
+          <a:stretch/>
+        </p:blipFill>
+        <p:spPr bwMode="auto">
+          <a:xfrm>
+            <a:off x="337502" y="3555213"/>
+            <a:ext cx="1473127" cy="1467294"/>
+          </a:xfrm>
+          <a:prstGeom prst="rect">
+            <a:avLst/>
+          </a:prstGeom>
+          <a:noFill/>
+          <a:extLst>
+            <a:ext uri="{909E8E84-426E-40DD-AFC4-6F175D3DCCD1}">
+              <a14:hiddenFill xmlns:a14="http://schemas.microsoft.com/office/drawing/2010/main">
+                <a:solidFill>
+                  <a:srgbClr val="FFFFFF"/>
+                </a:solidFill>
+              </a14:hiddenFill>
+            </a:ext>
+          </a:extLst>
+        </p:spPr>
+      </p:pic>
+      <p:sp>
+        <p:nvSpPr>
+          <p:cNvPr id="29" name="TextBox 28">
+            <a:extLst>
+              <a:ext uri="{FF2B5EF4-FFF2-40B4-BE49-F238E27FC236}">
+                <a16:creationId xmlns:a16="http://schemas.microsoft.com/office/drawing/2014/main" id="{2EF9D798-400F-0394-BF64-8BB0EAECF1F6}"/>
+              </a:ext>
+            </a:extLst>
+          </p:cNvPr>
+          <p:cNvSpPr txBox="1"/>
+          <p:nvPr/>
+        </p:nvSpPr>
+        <p:spPr>
+          <a:xfrm>
+            <a:off x="1950674" y="3555213"/>
+            <a:ext cx="4659802" cy="1631216"/>
+          </a:xfrm>
+          <a:prstGeom prst="rect">
+            <a:avLst/>
+          </a:prstGeom>
+          <a:noFill/>
+        </p:spPr>
+        <p:txBody>
+          <a:bodyPr wrap="square" rtlCol="0">
+            <a:spAutoFit/>
+          </a:bodyPr>
+          <a:lstStyle>
+            <a:defPPr>
+              <a:defRPr lang="en-SI"/>
+            </a:defPPr>
+            <a:lvl1pPr marL="285750" indent="-285750">
+              <a:buFont typeface="Arial" panose="020B0604020202020204" pitchFamily="34" charset="0"/>
+              <a:buChar char="•"/>
+              <a:defRPr sz="2000">
+                <a:solidFill>
+                  <a:srgbClr val="141413"/>
+                </a:solidFill>
+                <a:latin typeface="STIX Two Text" pitchFamily="2" charset="0"/>
+                <a:ea typeface="+mj-ea"/>
+                <a:cs typeface="+mj-cs"/>
+              </a:defRPr>
+            </a:lvl1pPr>
+          </a:lstStyle>
+          <a:p>
+            <a:r>
+              <a:rPr lang="en-GB" dirty="0" err="1"/>
+              <a:t>Rezultati</a:t>
+            </a:r>
+            <a:r>
+              <a:rPr lang="en-GB" dirty="0"/>
+              <a:t> </a:t>
+            </a:r>
+            <a:r>
+              <a:rPr lang="en-GB" dirty="0" err="1"/>
+              <a:t>niso</a:t>
+            </a:r>
+            <a:r>
+              <a:rPr lang="en-GB" dirty="0"/>
+              <a:t> </a:t>
+            </a:r>
+            <a:r>
+              <a:rPr lang="en-GB" dirty="0" err="1"/>
+              <a:t>posplošljivi</a:t>
+            </a:r>
+            <a:r>
+              <a:rPr lang="en-GB" dirty="0"/>
+              <a:t> </a:t>
+            </a:r>
+            <a:r>
+              <a:rPr lang="en-GB" dirty="0" err="1"/>
+              <a:t>na</a:t>
+            </a:r>
+            <a:r>
+              <a:rPr lang="en-GB" dirty="0"/>
+              <a:t> </a:t>
+            </a:r>
+            <a:r>
+              <a:rPr lang="en-GB" dirty="0" err="1"/>
+              <a:t>celotno</a:t>
+            </a:r>
+            <a:r>
+              <a:rPr lang="en-GB" dirty="0"/>
+              <a:t> </a:t>
+            </a:r>
+            <a:r>
+              <a:rPr lang="en-GB" dirty="0" err="1"/>
+              <a:t>populacijo</a:t>
+            </a:r>
+            <a:r>
+              <a:rPr lang="en-GB" dirty="0"/>
+              <a:t>,</a:t>
+            </a:r>
+          </a:p>
+          <a:p>
+            <a:r>
+              <a:rPr lang="en-GB" dirty="0" err="1"/>
+              <a:t>raziskava</a:t>
+            </a:r>
+            <a:r>
+              <a:rPr lang="en-GB" dirty="0"/>
+              <a:t> </a:t>
+            </a:r>
+            <a:r>
+              <a:rPr lang="en-GB" dirty="0" err="1"/>
+              <a:t>naj</a:t>
+            </a:r>
+            <a:r>
+              <a:rPr lang="en-GB" dirty="0"/>
+              <a:t> bi </a:t>
+            </a:r>
+            <a:r>
+              <a:rPr lang="en-GB" dirty="0" err="1"/>
+              <a:t>reševala</a:t>
+            </a:r>
+            <a:r>
+              <a:rPr lang="en-GB" dirty="0"/>
+              <a:t> </a:t>
+            </a:r>
+            <a:r>
+              <a:rPr lang="en-GB" dirty="0" err="1"/>
+              <a:t>pomankljivosti</a:t>
+            </a:r>
+            <a:r>
+              <a:rPr lang="en-GB" dirty="0"/>
+              <a:t> </a:t>
+            </a:r>
+            <a:r>
+              <a:rPr lang="en-GB" dirty="0" err="1"/>
+              <a:t>preteklih</a:t>
+            </a:r>
+            <a:r>
+              <a:rPr lang="en-GB" dirty="0"/>
+              <a:t> </a:t>
+            </a:r>
+            <a:r>
+              <a:rPr lang="en-GB" dirty="0" err="1"/>
+              <a:t>raziskav</a:t>
+            </a:r>
+            <a:r>
+              <a:rPr lang="en-GB" dirty="0"/>
+              <a:t>,</a:t>
+            </a:r>
+          </a:p>
+          <a:p>
+            <a:r>
+              <a:rPr lang="en-GB" dirty="0" err="1"/>
+              <a:t>ločitev</a:t>
+            </a:r>
+            <a:r>
+              <a:rPr lang="en-GB" dirty="0"/>
+              <a:t> </a:t>
+            </a:r>
+            <a:r>
+              <a:rPr lang="en-GB" dirty="0" err="1"/>
+              <a:t>na</a:t>
+            </a:r>
+            <a:r>
+              <a:rPr lang="en-GB" dirty="0"/>
+              <a:t> </a:t>
+            </a:r>
+            <a:r>
+              <a:rPr lang="en-GB" dirty="0" err="1"/>
+              <a:t>dve</a:t>
+            </a:r>
+            <a:r>
+              <a:rPr lang="en-GB" dirty="0"/>
+              <a:t> </a:t>
+            </a:r>
+            <a:r>
+              <a:rPr lang="en-GB" dirty="0" err="1"/>
+              <a:t>skupini</a:t>
+            </a:r>
+            <a:r>
+              <a:rPr lang="en-GB" dirty="0"/>
+              <a:t>.</a:t>
+            </a:r>
+          </a:p>
+        </p:txBody>
+      </p:sp>
+    </p:spTree>
+    <p:extLst>
+      <p:ext uri="{BB962C8B-B14F-4D97-AF65-F5344CB8AC3E}">
+        <p14:creationId xmlns:p14="http://schemas.microsoft.com/office/powerpoint/2010/main" val="1178133353"/>
       </p:ext>
     </p:extLst>
   </p:cSld>

--- a/NAKER/Presentation1.pptx
+++ b/NAKER/Presentation1.pptx
@@ -201,7 +201,7 @@
           <a:p>
             <a:fld id="{2CBB2910-814F-CC4B-88BE-F65E86F68793}" type="datetimeFigureOut">
               <a:rPr lang="sl-SI" smtClean="0"/>
-              <a:t>28. 5. 25</a:t>
+              <a:t>29. 5. 25</a:t>
             </a:fld>
             <a:endParaRPr lang="sl-SI"/>
           </a:p>
@@ -702,7 +702,7 @@
           <a:p>
             <a:fld id="{E4CD9D31-0055-7D46-9D98-438306D5DE93}" type="datetimeFigureOut">
               <a:rPr lang="sl-SI" smtClean="0"/>
-              <a:t>28. 5. 25</a:t>
+              <a:t>29. 5. 25</a:t>
             </a:fld>
             <a:endParaRPr lang="sl-SI"/>
           </a:p>
@@ -902,7 +902,7 @@
           <a:p>
             <a:fld id="{E4CD9D31-0055-7D46-9D98-438306D5DE93}" type="datetimeFigureOut">
               <a:rPr lang="sl-SI" smtClean="0"/>
-              <a:t>28. 5. 25</a:t>
+              <a:t>29. 5. 25</a:t>
             </a:fld>
             <a:endParaRPr lang="sl-SI"/>
           </a:p>
@@ -1112,7 +1112,7 @@
           <a:p>
             <a:fld id="{E4CD9D31-0055-7D46-9D98-438306D5DE93}" type="datetimeFigureOut">
               <a:rPr lang="sl-SI" smtClean="0"/>
-              <a:t>28. 5. 25</a:t>
+              <a:t>29. 5. 25</a:t>
             </a:fld>
             <a:endParaRPr lang="sl-SI"/>
           </a:p>
@@ -1312,7 +1312,7 @@
           <a:p>
             <a:fld id="{E4CD9D31-0055-7D46-9D98-438306D5DE93}" type="datetimeFigureOut">
               <a:rPr lang="sl-SI" smtClean="0"/>
-              <a:t>28. 5. 25</a:t>
+              <a:t>29. 5. 25</a:t>
             </a:fld>
             <a:endParaRPr lang="sl-SI"/>
           </a:p>
@@ -1588,7 +1588,7 @@
           <a:p>
             <a:fld id="{E4CD9D31-0055-7D46-9D98-438306D5DE93}" type="datetimeFigureOut">
               <a:rPr lang="sl-SI" smtClean="0"/>
-              <a:t>28. 5. 25</a:t>
+              <a:t>29. 5. 25</a:t>
             </a:fld>
             <a:endParaRPr lang="sl-SI"/>
           </a:p>
@@ -1856,7 +1856,7 @@
           <a:p>
             <a:fld id="{E4CD9D31-0055-7D46-9D98-438306D5DE93}" type="datetimeFigureOut">
               <a:rPr lang="sl-SI" smtClean="0"/>
-              <a:t>28. 5. 25</a:t>
+              <a:t>29. 5. 25</a:t>
             </a:fld>
             <a:endParaRPr lang="sl-SI"/>
           </a:p>
@@ -2271,7 +2271,7 @@
           <a:p>
             <a:fld id="{E4CD9D31-0055-7D46-9D98-438306D5DE93}" type="datetimeFigureOut">
               <a:rPr lang="sl-SI" smtClean="0"/>
-              <a:t>28. 5. 25</a:t>
+              <a:t>29. 5. 25</a:t>
             </a:fld>
             <a:endParaRPr lang="sl-SI"/>
           </a:p>
@@ -2413,7 +2413,7 @@
           <a:p>
             <a:fld id="{E4CD9D31-0055-7D46-9D98-438306D5DE93}" type="datetimeFigureOut">
               <a:rPr lang="sl-SI" smtClean="0"/>
-              <a:t>28. 5. 25</a:t>
+              <a:t>29. 5. 25</a:t>
             </a:fld>
             <a:endParaRPr lang="sl-SI"/>
           </a:p>
@@ -2526,7 +2526,7 @@
           <a:p>
             <a:fld id="{E4CD9D31-0055-7D46-9D98-438306D5DE93}" type="datetimeFigureOut">
               <a:rPr lang="sl-SI" smtClean="0"/>
-              <a:t>28. 5. 25</a:t>
+              <a:t>29. 5. 25</a:t>
             </a:fld>
             <a:endParaRPr lang="sl-SI"/>
           </a:p>
@@ -2839,7 +2839,7 @@
           <a:p>
             <a:fld id="{E4CD9D31-0055-7D46-9D98-438306D5DE93}" type="datetimeFigureOut">
               <a:rPr lang="sl-SI" smtClean="0"/>
-              <a:t>28. 5. 25</a:t>
+              <a:t>29. 5. 25</a:t>
             </a:fld>
             <a:endParaRPr lang="sl-SI"/>
           </a:p>
@@ -3128,7 +3128,7 @@
           <a:p>
             <a:fld id="{E4CD9D31-0055-7D46-9D98-438306D5DE93}" type="datetimeFigureOut">
               <a:rPr lang="sl-SI" smtClean="0"/>
-              <a:t>28. 5. 25</a:t>
+              <a:t>29. 5. 25</a:t>
             </a:fld>
             <a:endParaRPr lang="sl-SI"/>
           </a:p>
@@ -3371,7 +3371,7 @@
           <a:p>
             <a:fld id="{E4CD9D31-0055-7D46-9D98-438306D5DE93}" type="datetimeFigureOut">
               <a:rPr lang="sl-SI" smtClean="0"/>
-              <a:t>28. 5. 25</a:t>
+              <a:t>29. 5. 25</a:t>
             </a:fld>
             <a:endParaRPr lang="sl-SI"/>
           </a:p>
@@ -4234,7 +4234,7 @@
           <a:p>
             <a:r>
               <a:rPr lang="sl-SI" dirty="0"/>
-              <a:t>RAZISKOVALN VPRAŠANJE</a:t>
+              <a:t>RAZISKOVALNO VPRAŠANJE</a:t>
             </a:r>
           </a:p>
         </p:txBody>
@@ -4951,7 +4951,7 @@
             </a:r>
             <a:r>
               <a:rPr lang="en-GB" b="0" dirty="0" err="1"/>
-              <a:t>viskim</a:t>
+              <a:t>visokim</a:t>
             </a:r>
             <a:r>
               <a:rPr lang="en-GB" b="0" dirty="0"/>
